--- a/_documentation/FIND.pptx
+++ b/_documentation/FIND.pptx
@@ -7,6 +7,8 @@
   <p:sldIdLst>
     <p:sldId id="256" r:id="rId2"/>
     <p:sldId id="257" r:id="rId3"/>
+    <p:sldId id="258" r:id="rId4"/>
+    <p:sldId id="259" r:id="rId5"/>
   </p:sldIdLst>
   <p:sldSz cx="12192000" cy="6858000"/>
   <p:notesSz cx="6858000" cy="9144000"/>
@@ -260,7 +262,7 @@
           <a:p>
             <a:fld id="{B3E50811-F0F3-434E-B1EA-C34E8CAD0EC5}" type="datetimeFigureOut">
               <a:rPr lang="pt-BR" smtClean="0"/>
-              <a:t>16/04/2024</a:t>
+              <a:t>28/03/2025</a:t>
             </a:fld>
             <a:endParaRPr lang="pt-BR"/>
           </a:p>
@@ -458,7 +460,7 @@
           <a:p>
             <a:fld id="{B3E50811-F0F3-434E-B1EA-C34E8CAD0EC5}" type="datetimeFigureOut">
               <a:rPr lang="pt-BR" smtClean="0"/>
-              <a:t>16/04/2024</a:t>
+              <a:t>28/03/2025</a:t>
             </a:fld>
             <a:endParaRPr lang="pt-BR"/>
           </a:p>
@@ -666,7 +668,7 @@
           <a:p>
             <a:fld id="{B3E50811-F0F3-434E-B1EA-C34E8CAD0EC5}" type="datetimeFigureOut">
               <a:rPr lang="pt-BR" smtClean="0"/>
-              <a:t>16/04/2024</a:t>
+              <a:t>28/03/2025</a:t>
             </a:fld>
             <a:endParaRPr lang="pt-BR"/>
           </a:p>
@@ -864,7 +866,7 @@
           <a:p>
             <a:fld id="{B3E50811-F0F3-434E-B1EA-C34E8CAD0EC5}" type="datetimeFigureOut">
               <a:rPr lang="pt-BR" smtClean="0"/>
-              <a:t>16/04/2024</a:t>
+              <a:t>28/03/2025</a:t>
             </a:fld>
             <a:endParaRPr lang="pt-BR"/>
           </a:p>
@@ -1139,7 +1141,7 @@
           <a:p>
             <a:fld id="{B3E50811-F0F3-434E-B1EA-C34E8CAD0EC5}" type="datetimeFigureOut">
               <a:rPr lang="pt-BR" smtClean="0"/>
-              <a:t>16/04/2024</a:t>
+              <a:t>28/03/2025</a:t>
             </a:fld>
             <a:endParaRPr lang="pt-BR"/>
           </a:p>
@@ -1404,7 +1406,7 @@
           <a:p>
             <a:fld id="{B3E50811-F0F3-434E-B1EA-C34E8CAD0EC5}" type="datetimeFigureOut">
               <a:rPr lang="pt-BR" smtClean="0"/>
-              <a:t>16/04/2024</a:t>
+              <a:t>28/03/2025</a:t>
             </a:fld>
             <a:endParaRPr lang="pt-BR"/>
           </a:p>
@@ -1816,7 +1818,7 @@
           <a:p>
             <a:fld id="{B3E50811-F0F3-434E-B1EA-C34E8CAD0EC5}" type="datetimeFigureOut">
               <a:rPr lang="pt-BR" smtClean="0"/>
-              <a:t>16/04/2024</a:t>
+              <a:t>28/03/2025</a:t>
             </a:fld>
             <a:endParaRPr lang="pt-BR"/>
           </a:p>
@@ -1957,7 +1959,7 @@
           <a:p>
             <a:fld id="{B3E50811-F0F3-434E-B1EA-C34E8CAD0EC5}" type="datetimeFigureOut">
               <a:rPr lang="pt-BR" smtClean="0"/>
-              <a:t>16/04/2024</a:t>
+              <a:t>28/03/2025</a:t>
             </a:fld>
             <a:endParaRPr lang="pt-BR"/>
           </a:p>
@@ -2070,7 +2072,7 @@
           <a:p>
             <a:fld id="{B3E50811-F0F3-434E-B1EA-C34E8CAD0EC5}" type="datetimeFigureOut">
               <a:rPr lang="pt-BR" smtClean="0"/>
-              <a:t>16/04/2024</a:t>
+              <a:t>28/03/2025</a:t>
             </a:fld>
             <a:endParaRPr lang="pt-BR"/>
           </a:p>
@@ -2381,7 +2383,7 @@
           <a:p>
             <a:fld id="{B3E50811-F0F3-434E-B1EA-C34E8CAD0EC5}" type="datetimeFigureOut">
               <a:rPr lang="pt-BR" smtClean="0"/>
-              <a:t>16/04/2024</a:t>
+              <a:t>28/03/2025</a:t>
             </a:fld>
             <a:endParaRPr lang="pt-BR"/>
           </a:p>
@@ -2669,7 +2671,7 @@
           <a:p>
             <a:fld id="{B3E50811-F0F3-434E-B1EA-C34E8CAD0EC5}" type="datetimeFigureOut">
               <a:rPr lang="pt-BR" smtClean="0"/>
-              <a:t>16/04/2024</a:t>
+              <a:t>28/03/2025</a:t>
             </a:fld>
             <a:endParaRPr lang="pt-BR"/>
           </a:p>
@@ -2910,7 +2912,7 @@
           <a:p>
             <a:fld id="{B3E50811-F0F3-434E-B1EA-C34E8CAD0EC5}" type="datetimeFigureOut">
               <a:rPr lang="pt-BR" smtClean="0"/>
-              <a:t>16/04/2024</a:t>
+              <a:t>28/03/2025</a:t>
             </a:fld>
             <a:endParaRPr lang="pt-BR"/>
           </a:p>
@@ -3570,6 +3572,258 @@
 </p:sld>
 </file>
 
+<file path=ppt/slides/slide3.xml><?xml version="1.0" encoding="utf-8"?>
+<p:sld xmlns:a="http://schemas.openxmlformats.org/drawingml/2006/main" xmlns:r="http://schemas.openxmlformats.org/officeDocument/2006/relationships" xmlns:p="http://schemas.openxmlformats.org/presentationml/2006/main">
+  <p:cSld>
+    <p:bg>
+      <p:bgPr>
+        <a:solidFill>
+          <a:schemeClr val="accent5">
+            <a:lumMod val="75000"/>
+          </a:schemeClr>
+        </a:solidFill>
+        <a:effectLst/>
+      </p:bgPr>
+    </p:bg>
+    <p:spTree>
+      <p:nvGrpSpPr>
+        <p:cNvPr id="1" name=""/>
+        <p:cNvGrpSpPr/>
+        <p:nvPr/>
+      </p:nvGrpSpPr>
+      <p:grpSpPr>
+        <a:xfrm>
+          <a:off x="0" y="0"/>
+          <a:ext cx="0" cy="0"/>
+          <a:chOff x="0" y="0"/>
+          <a:chExt cx="0" cy="0"/>
+        </a:xfrm>
+      </p:grpSpPr>
+      <p:sp>
+        <p:nvSpPr>
+          <p:cNvPr id="2" name="Título 1">
+            <a:extLst>
+              <a:ext uri="{FF2B5EF4-FFF2-40B4-BE49-F238E27FC236}">
+                <a16:creationId xmlns:a16="http://schemas.microsoft.com/office/drawing/2014/main" id="{70F93997-3BB1-4064-54AC-E70CECC93EE2}"/>
+              </a:ext>
+            </a:extLst>
+          </p:cNvPr>
+          <p:cNvSpPr>
+            <a:spLocks noGrp="1"/>
+          </p:cNvSpPr>
+          <p:nvPr>
+            <p:ph type="title"/>
+          </p:nvPr>
+        </p:nvSpPr>
+        <p:spPr>
+          <a:xfrm>
+            <a:off x="838200" y="2234266"/>
+            <a:ext cx="10515600" cy="1325563"/>
+          </a:xfrm>
+        </p:spPr>
+        <p:txBody>
+          <a:bodyPr>
+            <a:noAutofit/>
+          </a:bodyPr>
+          <a:lstStyle/>
+          <a:p>
+            <a:pPr algn="ctr"/>
+            <a:r>
+              <a:rPr lang="pt-BR" sz="20000" dirty="0">
+                <a:solidFill>
+                  <a:schemeClr val="bg1"/>
+                </a:solidFill>
+                <a:latin typeface="Notes Book" pitchFamily="2" charset="0"/>
+                <a:ea typeface="Calibri Light" panose="020F0302020204030204" pitchFamily="34" charset="0"/>
+                <a:cs typeface="Calibri Light" panose="020F0302020204030204" pitchFamily="34" charset="0"/>
+              </a:rPr>
+              <a:t>FIND</a:t>
+            </a:r>
+          </a:p>
+        </p:txBody>
+      </p:sp>
+      <p:sp>
+        <p:nvSpPr>
+          <p:cNvPr id="4" name="CaixaDeTexto 3">
+            <a:extLst>
+              <a:ext uri="{FF2B5EF4-FFF2-40B4-BE49-F238E27FC236}">
+                <a16:creationId xmlns:a16="http://schemas.microsoft.com/office/drawing/2014/main" id="{CB6C6EA6-AEB0-2747-9F47-C40B5AF834E0}"/>
+              </a:ext>
+            </a:extLst>
+          </p:cNvPr>
+          <p:cNvSpPr txBox="1"/>
+          <p:nvPr/>
+        </p:nvSpPr>
+        <p:spPr>
+          <a:xfrm rot="16200000">
+            <a:off x="6943349" y="1233101"/>
+            <a:ext cx="1654620" cy="646331"/>
+          </a:xfrm>
+          <a:prstGeom prst="rect">
+            <a:avLst/>
+          </a:prstGeom>
+          <a:noFill/>
+        </p:spPr>
+        <p:txBody>
+          <a:bodyPr wrap="none" rtlCol="0">
+            <a:spAutoFit/>
+          </a:bodyPr>
+          <a:lstStyle/>
+          <a:p>
+            <a:r>
+              <a:rPr lang="pt-BR" sz="3600" dirty="0">
+                <a:solidFill>
+                  <a:schemeClr val="bg1"/>
+                </a:solidFill>
+                <a:latin typeface="Notes Book" pitchFamily="2" charset="0"/>
+              </a:rPr>
+              <a:t>LIVROS</a:t>
+            </a:r>
+          </a:p>
+        </p:txBody>
+      </p:sp>
+    </p:spTree>
+    <p:extLst>
+      <p:ext uri="{BB962C8B-B14F-4D97-AF65-F5344CB8AC3E}">
+        <p14:creationId xmlns:p14="http://schemas.microsoft.com/office/powerpoint/2010/main" val="3335100133"/>
+      </p:ext>
+    </p:extLst>
+  </p:cSld>
+  <p:clrMapOvr>
+    <a:masterClrMapping/>
+  </p:clrMapOvr>
+</p:sld>
+</file>
+
+<file path=ppt/slides/slide4.xml><?xml version="1.0" encoding="utf-8"?>
+<p:sld xmlns:a="http://schemas.openxmlformats.org/drawingml/2006/main" xmlns:r="http://schemas.openxmlformats.org/officeDocument/2006/relationships" xmlns:p="http://schemas.openxmlformats.org/presentationml/2006/main">
+  <p:cSld>
+    <p:bg>
+      <p:bgPr>
+        <a:solidFill>
+          <a:schemeClr val="accent5">
+            <a:lumMod val="75000"/>
+          </a:schemeClr>
+        </a:solidFill>
+        <a:effectLst/>
+      </p:bgPr>
+    </p:bg>
+    <p:spTree>
+      <p:nvGrpSpPr>
+        <p:cNvPr id="1" name="">
+          <a:extLst>
+            <a:ext uri="{FF2B5EF4-FFF2-40B4-BE49-F238E27FC236}">
+              <a16:creationId xmlns:a16="http://schemas.microsoft.com/office/drawing/2014/main" id="{FBD3B57F-C5F5-9675-C5C6-7FB0995FC863}"/>
+            </a:ext>
+          </a:extLst>
+        </p:cNvPr>
+        <p:cNvGrpSpPr/>
+        <p:nvPr/>
+      </p:nvGrpSpPr>
+      <p:grpSpPr>
+        <a:xfrm>
+          <a:off x="0" y="0"/>
+          <a:ext cx="0" cy="0"/>
+          <a:chOff x="0" y="0"/>
+          <a:chExt cx="0" cy="0"/>
+        </a:xfrm>
+      </p:grpSpPr>
+      <p:sp>
+        <p:nvSpPr>
+          <p:cNvPr id="2" name="Título 1">
+            <a:extLst>
+              <a:ext uri="{FF2B5EF4-FFF2-40B4-BE49-F238E27FC236}">
+                <a16:creationId xmlns:a16="http://schemas.microsoft.com/office/drawing/2014/main" id="{29289E5E-7397-614C-D466-58D32077C3C6}"/>
+              </a:ext>
+            </a:extLst>
+          </p:cNvPr>
+          <p:cNvSpPr>
+            <a:spLocks noGrp="1"/>
+          </p:cNvSpPr>
+          <p:nvPr>
+            <p:ph type="title"/>
+          </p:nvPr>
+        </p:nvSpPr>
+        <p:spPr>
+          <a:xfrm>
+            <a:off x="838200" y="221690"/>
+            <a:ext cx="10515600" cy="4448922"/>
+          </a:xfrm>
+        </p:spPr>
+        <p:txBody>
+          <a:bodyPr>
+            <a:noAutofit/>
+          </a:bodyPr>
+          <a:lstStyle/>
+          <a:p>
+            <a:pPr algn="ctr"/>
+            <a:r>
+              <a:rPr lang="pt-BR" sz="40000" dirty="0">
+                <a:solidFill>
+                  <a:schemeClr val="bg1"/>
+                </a:solidFill>
+                <a:latin typeface="Book Handmade" pitchFamily="50" charset="0"/>
+                <a:ea typeface="Meiryo" panose="020B0604030504040204" pitchFamily="34" charset="-128"/>
+                <a:cs typeface="Latha" panose="020B0502040204020203" pitchFamily="34" charset="0"/>
+              </a:rPr>
+              <a:t>FIND</a:t>
+            </a:r>
+          </a:p>
+        </p:txBody>
+      </p:sp>
+      <p:sp>
+        <p:nvSpPr>
+          <p:cNvPr id="4" name="CaixaDeTexto 3">
+            <a:extLst>
+              <a:ext uri="{FF2B5EF4-FFF2-40B4-BE49-F238E27FC236}">
+                <a16:creationId xmlns:a16="http://schemas.microsoft.com/office/drawing/2014/main" id="{82BBE1BF-4B51-A33C-6E7B-B435267FB74D}"/>
+              </a:ext>
+            </a:extLst>
+          </p:cNvPr>
+          <p:cNvSpPr txBox="1"/>
+          <p:nvPr/>
+        </p:nvSpPr>
+        <p:spPr>
+          <a:xfrm rot="16200000">
+            <a:off x="1899922" y="3159606"/>
+            <a:ext cx="2579552" cy="615553"/>
+          </a:xfrm>
+          <a:prstGeom prst="rect">
+            <a:avLst/>
+          </a:prstGeom>
+          <a:noFill/>
+        </p:spPr>
+        <p:txBody>
+          <a:bodyPr wrap="square" rtlCol="0">
+            <a:spAutoFit/>
+          </a:bodyPr>
+          <a:lstStyle/>
+          <a:p>
+            <a:r>
+              <a:rPr lang="pt-BR" sz="3400" dirty="0">
+                <a:solidFill>
+                  <a:schemeClr val="bg1"/>
+                </a:solidFill>
+                <a:latin typeface="Notes Book" pitchFamily="2" charset="0"/>
+              </a:rPr>
+              <a:t>BIBLIOTECA</a:t>
+            </a:r>
+          </a:p>
+        </p:txBody>
+      </p:sp>
+    </p:spTree>
+    <p:extLst>
+      <p:ext uri="{BB962C8B-B14F-4D97-AF65-F5344CB8AC3E}">
+        <p14:creationId xmlns:p14="http://schemas.microsoft.com/office/powerpoint/2010/main" val="2091259014"/>
+      </p:ext>
+    </p:extLst>
+  </p:cSld>
+  <p:clrMapOvr>
+    <a:masterClrMapping/>
+  </p:clrMapOvr>
+</p:sld>
+</file>
+
 <file path=ppt/theme/theme1.xml><?xml version="1.0" encoding="utf-8"?>
 <a:theme xmlns:a="http://schemas.openxmlformats.org/drawingml/2006/main" name="Tema do Office">
   <a:themeElements>
